--- a/docs/songs/waiting here for you.pptx
+++ b/docs/songs/waiting here for you.pptx
@@ -5,13 +5,13 @@
     <p:sldMasterId id="2147483648" r:id="rId1"/>
   </p:sldMasterIdLst>
   <p:sldIdLst>
-    <p:sldId id="518" r:id="rId2"/>
-    <p:sldId id="520" r:id="rId3"/>
-    <p:sldId id="521" r:id="rId4"/>
-    <p:sldId id="522" r:id="rId5"/>
-    <p:sldId id="523" r:id="rId6"/>
-    <p:sldId id="524" r:id="rId7"/>
-    <p:sldId id="525" r:id="rId8"/>
+    <p:sldId id="1190" r:id="rId2"/>
+    <p:sldId id="1191" r:id="rId3"/>
+    <p:sldId id="1192" r:id="rId4"/>
+    <p:sldId id="1193" r:id="rId5"/>
+    <p:sldId id="1194" r:id="rId6"/>
+    <p:sldId id="1195" r:id="rId7"/>
+    <p:sldId id="1196" r:id="rId8"/>
     <p:sldId id="526" r:id="rId9"/>
   </p:sldIdLst>
   <p:sldSz cx="9144000" cy="6858000" type="screen4x3"/>
@@ -312,7 +312,7 @@
             <a:fld id="{26EA1CF3-4A15-4CBF-9A5A-6A56C368BE71}" type="datetimeFigureOut">
               <a:rPr lang="en-GB" smtClean="0"/>
               <a:pPr/>
-              <a:t>13/03/2023</a:t>
+              <a:t>10/06/2024</a:t>
             </a:fld>
             <a:endParaRPr lang="en-GB"/>
           </a:p>
@@ -479,7 +479,7 @@
             <a:fld id="{26EA1CF3-4A15-4CBF-9A5A-6A56C368BE71}" type="datetimeFigureOut">
               <a:rPr lang="en-GB" smtClean="0"/>
               <a:pPr/>
-              <a:t>13/03/2023</a:t>
+              <a:t>10/06/2024</a:t>
             </a:fld>
             <a:endParaRPr lang="en-GB"/>
           </a:p>
@@ -656,7 +656,7 @@
             <a:fld id="{26EA1CF3-4A15-4CBF-9A5A-6A56C368BE71}" type="datetimeFigureOut">
               <a:rPr lang="en-GB" smtClean="0"/>
               <a:pPr/>
-              <a:t>13/03/2023</a:t>
+              <a:t>10/06/2024</a:t>
             </a:fld>
             <a:endParaRPr lang="en-GB"/>
           </a:p>
@@ -823,7 +823,7 @@
             <a:fld id="{26EA1CF3-4A15-4CBF-9A5A-6A56C368BE71}" type="datetimeFigureOut">
               <a:rPr lang="en-GB" smtClean="0"/>
               <a:pPr/>
-              <a:t>13/03/2023</a:t>
+              <a:t>10/06/2024</a:t>
             </a:fld>
             <a:endParaRPr lang="en-GB"/>
           </a:p>
@@ -1066,7 +1066,7 @@
             <a:fld id="{26EA1CF3-4A15-4CBF-9A5A-6A56C368BE71}" type="datetimeFigureOut">
               <a:rPr lang="en-GB" smtClean="0"/>
               <a:pPr/>
-              <a:t>13/03/2023</a:t>
+              <a:t>10/06/2024</a:t>
             </a:fld>
             <a:endParaRPr lang="en-GB"/>
           </a:p>
@@ -1351,7 +1351,7 @@
             <a:fld id="{26EA1CF3-4A15-4CBF-9A5A-6A56C368BE71}" type="datetimeFigureOut">
               <a:rPr lang="en-GB" smtClean="0"/>
               <a:pPr/>
-              <a:t>13/03/2023</a:t>
+              <a:t>10/06/2024</a:t>
             </a:fld>
             <a:endParaRPr lang="en-GB"/>
           </a:p>
@@ -1770,7 +1770,7 @@
             <a:fld id="{26EA1CF3-4A15-4CBF-9A5A-6A56C368BE71}" type="datetimeFigureOut">
               <a:rPr lang="en-GB" smtClean="0"/>
               <a:pPr/>
-              <a:t>13/03/2023</a:t>
+              <a:t>10/06/2024</a:t>
             </a:fld>
             <a:endParaRPr lang="en-GB"/>
           </a:p>
@@ -1885,7 +1885,7 @@
             <a:fld id="{26EA1CF3-4A15-4CBF-9A5A-6A56C368BE71}" type="datetimeFigureOut">
               <a:rPr lang="en-GB" smtClean="0"/>
               <a:pPr/>
-              <a:t>13/03/2023</a:t>
+              <a:t>10/06/2024</a:t>
             </a:fld>
             <a:endParaRPr lang="en-GB"/>
           </a:p>
@@ -1977,7 +1977,7 @@
             <a:fld id="{26EA1CF3-4A15-4CBF-9A5A-6A56C368BE71}" type="datetimeFigureOut">
               <a:rPr lang="en-GB" smtClean="0"/>
               <a:pPr/>
-              <a:t>13/03/2023</a:t>
+              <a:t>10/06/2024</a:t>
             </a:fld>
             <a:endParaRPr lang="en-GB"/>
           </a:p>
@@ -2251,7 +2251,7 @@
             <a:fld id="{26EA1CF3-4A15-4CBF-9A5A-6A56C368BE71}" type="datetimeFigureOut">
               <a:rPr lang="en-GB" smtClean="0"/>
               <a:pPr/>
-              <a:t>13/03/2023</a:t>
+              <a:t>10/06/2024</a:t>
             </a:fld>
             <a:endParaRPr lang="en-GB"/>
           </a:p>
@@ -2501,7 +2501,7 @@
             <a:fld id="{26EA1CF3-4A15-4CBF-9A5A-6A56C368BE71}" type="datetimeFigureOut">
               <a:rPr lang="en-GB" smtClean="0"/>
               <a:pPr/>
-              <a:t>13/03/2023</a:t>
+              <a:t>10/06/2024</a:t>
             </a:fld>
             <a:endParaRPr lang="en-GB"/>
           </a:p>
@@ -2714,7 +2714,7 @@
             <a:fld id="{26EA1CF3-4A15-4CBF-9A5A-6A56C368BE71}" type="datetimeFigureOut">
               <a:rPr lang="en-GB" smtClean="0"/>
               <a:pPr/>
-              <a:t>13/03/2023</a:t>
+              <a:t>10/06/2024</a:t>
             </a:fld>
             <a:endParaRPr lang="en-GB"/>
           </a:p>
@@ -3272,7 +3272,7 @@
     </p:spTree>
     <p:extLst>
       <p:ext uri="{BB962C8B-B14F-4D97-AF65-F5344CB8AC3E}">
-        <p14:creationId xmlns:p14="http://schemas.microsoft.com/office/powerpoint/2010/main" val="2940382954"/>
+        <p14:creationId xmlns:p14="http://schemas.microsoft.com/office/powerpoint/2010/main" val="10811798"/>
       </p:ext>
     </p:extLst>
   </p:cSld>
@@ -3311,7 +3311,7 @@
         </p:nvSpPr>
         <p:spPr>
           <a:xfrm>
-            <a:off x="323528" y="188640"/>
+            <a:off x="251520" y="764704"/>
             <a:ext cx="8640960" cy="6480720"/>
           </a:xfrm>
         </p:spPr>
@@ -3408,7 +3408,7 @@
     </p:spTree>
     <p:extLst>
       <p:ext uri="{BB962C8B-B14F-4D97-AF65-F5344CB8AC3E}">
-        <p14:creationId xmlns:p14="http://schemas.microsoft.com/office/powerpoint/2010/main" val="2175635830"/>
+        <p14:creationId xmlns:p14="http://schemas.microsoft.com/office/powerpoint/2010/main" val="1460942199"/>
       </p:ext>
     </p:extLst>
   </p:cSld>
@@ -3447,7 +3447,7 @@
         </p:nvSpPr>
         <p:spPr>
           <a:xfrm>
-            <a:off x="323528" y="188640"/>
+            <a:off x="251520" y="692696"/>
             <a:ext cx="8640960" cy="6480720"/>
           </a:xfrm>
         </p:spPr>
@@ -3573,7 +3573,7 @@
         </p:nvSpPr>
         <p:spPr>
           <a:xfrm>
-            <a:off x="323528" y="188640"/>
+            <a:off x="395536" y="692696"/>
             <a:ext cx="8640960" cy="6480720"/>
           </a:xfrm>
         </p:spPr>
@@ -3699,7 +3699,7 @@
         </p:nvSpPr>
         <p:spPr>
           <a:xfrm>
-            <a:off x="323528" y="188640"/>
+            <a:off x="251520" y="692696"/>
             <a:ext cx="8640960" cy="6480720"/>
           </a:xfrm>
         </p:spPr>
@@ -3857,7 +3857,7 @@
         </p:nvSpPr>
         <p:spPr>
           <a:xfrm>
-            <a:off x="323528" y="188640"/>
+            <a:off x="323528" y="836712"/>
             <a:ext cx="8640960" cy="6480720"/>
           </a:xfrm>
         </p:spPr>
@@ -3963,7 +3963,7 @@
         </p:nvSpPr>
         <p:spPr>
           <a:xfrm>
-            <a:off x="323528" y="188640"/>
+            <a:off x="251520" y="836712"/>
             <a:ext cx="8640960" cy="6480720"/>
           </a:xfrm>
         </p:spPr>
@@ -4095,7 +4095,7 @@
         </p:nvSpPr>
         <p:spPr>
           <a:xfrm>
-            <a:off x="323528" y="188640"/>
+            <a:off x="251520" y="764704"/>
             <a:ext cx="8640960" cy="6480720"/>
           </a:xfrm>
         </p:spPr>
